--- a/第4章excel/图表/迷你图坐标轴.pptx
+++ b/第4章excel/图表/迷你图坐标轴.pptx
@@ -289,7 +289,7 @@
           <a:p>
             <a:fld id="{530820CF-B880-4189-942D-D702A7CBA730}" type="datetimeFigureOut">
               <a:rPr lang="zh-CN" altLang="en-US" smtClean="0"/>
-              <a:t>2020/6/4</a:t>
+              <a:t>2020/6/8</a:t>
             </a:fld>
             <a:endParaRPr lang="zh-CN" altLang="en-US"/>
           </a:p>
@@ -454,7 +454,7 @@
           <a:p>
             <a:fld id="{530820CF-B880-4189-942D-D702A7CBA730}" type="datetimeFigureOut">
               <a:rPr lang="zh-CN" altLang="en-US" smtClean="0"/>
-              <a:t>2020/6/4</a:t>
+              <a:t>2020/6/8</a:t>
             </a:fld>
             <a:endParaRPr lang="zh-CN" altLang="en-US"/>
           </a:p>
@@ -629,7 +629,7 @@
           <a:p>
             <a:fld id="{530820CF-B880-4189-942D-D702A7CBA730}" type="datetimeFigureOut">
               <a:rPr lang="zh-CN" altLang="en-US" smtClean="0"/>
-              <a:t>2020/6/4</a:t>
+              <a:t>2020/6/8</a:t>
             </a:fld>
             <a:endParaRPr lang="zh-CN" altLang="en-US"/>
           </a:p>
@@ -794,7 +794,7 @@
           <a:p>
             <a:fld id="{530820CF-B880-4189-942D-D702A7CBA730}" type="datetimeFigureOut">
               <a:rPr lang="zh-CN" altLang="en-US" smtClean="0"/>
-              <a:t>2020/6/4</a:t>
+              <a:t>2020/6/8</a:t>
             </a:fld>
             <a:endParaRPr lang="zh-CN" altLang="en-US"/>
           </a:p>
@@ -1035,7 +1035,7 @@
           <a:p>
             <a:fld id="{530820CF-B880-4189-942D-D702A7CBA730}" type="datetimeFigureOut">
               <a:rPr lang="zh-CN" altLang="en-US" smtClean="0"/>
-              <a:t>2020/6/4</a:t>
+              <a:t>2020/6/8</a:t>
             </a:fld>
             <a:endParaRPr lang="zh-CN" altLang="en-US"/>
           </a:p>
@@ -1318,7 +1318,7 @@
           <a:p>
             <a:fld id="{530820CF-B880-4189-942D-D702A7CBA730}" type="datetimeFigureOut">
               <a:rPr lang="zh-CN" altLang="en-US" smtClean="0"/>
-              <a:t>2020/6/4</a:t>
+              <a:t>2020/6/8</a:t>
             </a:fld>
             <a:endParaRPr lang="zh-CN" altLang="en-US"/>
           </a:p>
@@ -1735,7 +1735,7 @@
           <a:p>
             <a:fld id="{530820CF-B880-4189-942D-D702A7CBA730}" type="datetimeFigureOut">
               <a:rPr lang="zh-CN" altLang="en-US" smtClean="0"/>
-              <a:t>2020/6/4</a:t>
+              <a:t>2020/6/8</a:t>
             </a:fld>
             <a:endParaRPr lang="zh-CN" altLang="en-US"/>
           </a:p>
@@ -1848,7 +1848,7 @@
           <a:p>
             <a:fld id="{530820CF-B880-4189-942D-D702A7CBA730}" type="datetimeFigureOut">
               <a:rPr lang="zh-CN" altLang="en-US" smtClean="0"/>
-              <a:t>2020/6/4</a:t>
+              <a:t>2020/6/8</a:t>
             </a:fld>
             <a:endParaRPr lang="zh-CN" altLang="en-US"/>
           </a:p>
@@ -1938,7 +1938,7 @@
           <a:p>
             <a:fld id="{530820CF-B880-4189-942D-D702A7CBA730}" type="datetimeFigureOut">
               <a:rPr lang="zh-CN" altLang="en-US" smtClean="0"/>
-              <a:t>2020/6/4</a:t>
+              <a:t>2020/6/8</a:t>
             </a:fld>
             <a:endParaRPr lang="zh-CN" altLang="en-US"/>
           </a:p>
@@ -2210,7 +2210,7 @@
           <a:p>
             <a:fld id="{530820CF-B880-4189-942D-D702A7CBA730}" type="datetimeFigureOut">
               <a:rPr lang="zh-CN" altLang="en-US" smtClean="0"/>
-              <a:t>2020/6/4</a:t>
+              <a:t>2020/6/8</a:t>
             </a:fld>
             <a:endParaRPr lang="zh-CN" altLang="en-US"/>
           </a:p>
@@ -2458,7 +2458,7 @@
           <a:p>
             <a:fld id="{530820CF-B880-4189-942D-D702A7CBA730}" type="datetimeFigureOut">
               <a:rPr lang="zh-CN" altLang="en-US" smtClean="0"/>
-              <a:t>2020/6/4</a:t>
+              <a:t>2020/6/8</a:t>
             </a:fld>
             <a:endParaRPr lang="zh-CN" altLang="en-US"/>
           </a:p>
@@ -2666,7 +2666,7 @@
           <a:p>
             <a:fld id="{530820CF-B880-4189-942D-D702A7CBA730}" type="datetimeFigureOut">
               <a:rPr lang="zh-CN" altLang="en-US" smtClean="0"/>
-              <a:t>2020/6/4</a:t>
+              <a:t>2020/6/8</a:t>
             </a:fld>
             <a:endParaRPr lang="zh-CN" altLang="en-US"/>
           </a:p>
@@ -3868,39 +3868,21 @@
                                   </p:childTnLst>
                                 </p:cTn>
                               </p:par>
-                            </p:childTnLst>
-                          </p:cTn>
-                        </p:par>
-                      </p:childTnLst>
-                    </p:cTn>
-                  </p:par>
-                  <p:par>
-                    <p:cTn id="23" fill="hold">
-                      <p:stCondLst>
-                        <p:cond delay="indefinite"/>
-                      </p:stCondLst>
-                      <p:childTnLst>
-                        <p:par>
-                          <p:cTn id="24" fill="hold">
-                            <p:stCondLst>
-                              <p:cond delay="0"/>
-                            </p:stCondLst>
-                            <p:childTnLst>
                               <p:par>
-                                <p:cTn id="25" presetID="10" presetClass="entr" presetSubtype="0" fill="hold" grpId="0" nodeType="clickEffect">
+                                <p:cTn id="23" presetID="10" presetClass="entr" presetSubtype="0" fill="hold" grpId="0" nodeType="withEffect">
                                   <p:stCondLst>
                                     <p:cond delay="0"/>
                                   </p:stCondLst>
                                   <p:childTnLst>
                                     <p:set>
                                       <p:cBhvr>
-                                        <p:cTn id="26" dur="1" fill="hold">
+                                        <p:cTn id="24" dur="1" fill="hold">
                                           <p:stCondLst>
                                             <p:cond delay="0"/>
                                           </p:stCondLst>
                                         </p:cTn>
                                         <p:tgtEl>
-                                          <p:spTgt spid="15"/>
+                                          <p:spTgt spid="16"/>
                                         </p:tgtEl>
                                         <p:attrNameLst>
                                           <p:attrName>style.visibility</p:attrName>
@@ -3912,9 +3894,9 @@
                                     </p:set>
                                     <p:animEffect transition="in" filter="fade">
                                       <p:cBhvr>
-                                        <p:cTn id="27" dur="500"/>
-                                        <p:tgtEl>
-                                          <p:spTgt spid="15"/>
+                                        <p:cTn id="25" dur="500"/>
+                                        <p:tgtEl>
+                                          <p:spTgt spid="16"/>
                                         </p:tgtEl>
                                       </p:cBhvr>
                                     </p:animEffect>
@@ -3928,32 +3910,32 @@
                     </p:cTn>
                   </p:par>
                   <p:par>
-                    <p:cTn id="28" fill="hold">
+                    <p:cTn id="26" fill="hold">
                       <p:stCondLst>
                         <p:cond delay="indefinite"/>
                       </p:stCondLst>
                       <p:childTnLst>
                         <p:par>
-                          <p:cTn id="29" fill="hold">
+                          <p:cTn id="27" fill="hold">
                             <p:stCondLst>
                               <p:cond delay="0"/>
                             </p:stCondLst>
                             <p:childTnLst>
                               <p:par>
-                                <p:cTn id="30" presetID="10" presetClass="entr" presetSubtype="0" fill="hold" grpId="0" nodeType="clickEffect">
+                                <p:cTn id="28" presetID="10" presetClass="entr" presetSubtype="0" fill="hold" grpId="0" nodeType="clickEffect">
                                   <p:stCondLst>
                                     <p:cond delay="0"/>
                                   </p:stCondLst>
                                   <p:childTnLst>
                                     <p:set>
                                       <p:cBhvr>
-                                        <p:cTn id="31" dur="1" fill="hold">
+                                        <p:cTn id="29" dur="1" fill="hold">
                                           <p:stCondLst>
                                             <p:cond delay="0"/>
                                           </p:stCondLst>
                                         </p:cTn>
                                         <p:tgtEl>
-                                          <p:spTgt spid="13"/>
+                                          <p:spTgt spid="15"/>
                                         </p:tgtEl>
                                         <p:attrNameLst>
                                           <p:attrName>style.visibility</p:attrName>
@@ -3965,9 +3947,9 @@
                                     </p:set>
                                     <p:animEffect transition="in" filter="fade">
                                       <p:cBhvr>
-                                        <p:cTn id="32" dur="500"/>
-                                        <p:tgtEl>
-                                          <p:spTgt spid="13"/>
+                                        <p:cTn id="30" dur="500"/>
+                                        <p:tgtEl>
+                                          <p:spTgt spid="15"/>
                                         </p:tgtEl>
                                       </p:cBhvr>
                                     </p:animEffect>
@@ -3981,32 +3963,32 @@
                     </p:cTn>
                   </p:par>
                   <p:par>
-                    <p:cTn id="33" fill="hold">
+                    <p:cTn id="31" fill="hold">
                       <p:stCondLst>
                         <p:cond delay="indefinite"/>
                       </p:stCondLst>
                       <p:childTnLst>
                         <p:par>
-                          <p:cTn id="34" fill="hold">
+                          <p:cTn id="32" fill="hold">
                             <p:stCondLst>
                               <p:cond delay="0"/>
                             </p:stCondLst>
                             <p:childTnLst>
                               <p:par>
-                                <p:cTn id="35" presetID="10" presetClass="entr" presetSubtype="0" fill="hold" nodeType="clickEffect">
+                                <p:cTn id="33" presetID="10" presetClass="entr" presetSubtype="0" fill="hold" grpId="0" nodeType="clickEffect">
                                   <p:stCondLst>
                                     <p:cond delay="0"/>
                                   </p:stCondLst>
                                   <p:childTnLst>
                                     <p:set>
                                       <p:cBhvr>
-                                        <p:cTn id="36" dur="1" fill="hold">
+                                        <p:cTn id="34" dur="1" fill="hold">
                                           <p:stCondLst>
                                             <p:cond delay="0"/>
                                           </p:stCondLst>
                                         </p:cTn>
                                         <p:tgtEl>
-                                          <p:spTgt spid="12"/>
+                                          <p:spTgt spid="13"/>
                                         </p:tgtEl>
                                         <p:attrNameLst>
                                           <p:attrName>style.visibility</p:attrName>
@@ -4018,9 +4000,9 @@
                                     </p:set>
                                     <p:animEffect transition="in" filter="fade">
                                       <p:cBhvr>
-                                        <p:cTn id="37" dur="500"/>
-                                        <p:tgtEl>
-                                          <p:spTgt spid="12"/>
+                                        <p:cTn id="35" dur="500"/>
+                                        <p:tgtEl>
+                                          <p:spTgt spid="13"/>
                                         </p:tgtEl>
                                       </p:cBhvr>
                                     </p:animEffect>
@@ -4034,32 +4016,32 @@
                     </p:cTn>
                   </p:par>
                   <p:par>
-                    <p:cTn id="38" fill="hold">
+                    <p:cTn id="36" fill="hold">
                       <p:stCondLst>
                         <p:cond delay="indefinite"/>
                       </p:stCondLst>
                       <p:childTnLst>
                         <p:par>
-                          <p:cTn id="39" fill="hold">
+                          <p:cTn id="37" fill="hold">
                             <p:stCondLst>
                               <p:cond delay="0"/>
                             </p:stCondLst>
                             <p:childTnLst>
                               <p:par>
-                                <p:cTn id="40" presetID="10" presetClass="entr" presetSubtype="0" fill="hold" grpId="0" nodeType="clickEffect">
+                                <p:cTn id="38" presetID="10" presetClass="entr" presetSubtype="0" fill="hold" nodeType="clickEffect">
                                   <p:stCondLst>
                                     <p:cond delay="0"/>
                                   </p:stCondLst>
                                   <p:childTnLst>
                                     <p:set>
                                       <p:cBhvr>
-                                        <p:cTn id="41" dur="1" fill="hold">
+                                        <p:cTn id="39" dur="1" fill="hold">
                                           <p:stCondLst>
                                             <p:cond delay="0"/>
                                           </p:stCondLst>
                                         </p:cTn>
                                         <p:tgtEl>
-                                          <p:spTgt spid="24"/>
+                                          <p:spTgt spid="12"/>
                                         </p:tgtEl>
                                         <p:attrNameLst>
                                           <p:attrName>style.visibility</p:attrName>
@@ -4071,9 +4053,44 @@
                                     </p:set>
                                     <p:animEffect transition="in" filter="fade">
                                       <p:cBhvr>
-                                        <p:cTn id="42" dur="500"/>
-                                        <p:tgtEl>
-                                          <p:spTgt spid="24"/>
+                                        <p:cTn id="40" dur="500"/>
+                                        <p:tgtEl>
+                                          <p:spTgt spid="12"/>
+                                        </p:tgtEl>
+                                      </p:cBhvr>
+                                    </p:animEffect>
+                                  </p:childTnLst>
+                                </p:cTn>
+                              </p:par>
+                              <p:par>
+                                <p:cTn id="41" presetID="10" presetClass="entr" presetSubtype="0" fill="hold" grpId="0" nodeType="withEffect">
+                                  <p:stCondLst>
+                                    <p:cond delay="0"/>
+                                  </p:stCondLst>
+                                  <p:childTnLst>
+                                    <p:set>
+                                      <p:cBhvr>
+                                        <p:cTn id="42" dur="1" fill="hold">
+                                          <p:stCondLst>
+                                            <p:cond delay="0"/>
+                                          </p:stCondLst>
+                                        </p:cTn>
+                                        <p:tgtEl>
+                                          <p:spTgt spid="17"/>
+                                        </p:tgtEl>
+                                        <p:attrNameLst>
+                                          <p:attrName>style.visibility</p:attrName>
+                                        </p:attrNameLst>
+                                      </p:cBhvr>
+                                      <p:to>
+                                        <p:strVal val="visible"/>
+                                      </p:to>
+                                    </p:set>
+                                    <p:animEffect transition="in" filter="fade">
+                                      <p:cBhvr>
+                                        <p:cTn id="43" dur="500"/>
+                                        <p:tgtEl>
+                                          <p:spTgt spid="17"/>
                                         </p:tgtEl>
                                       </p:cBhvr>
                                     </p:animEffect>
@@ -4087,32 +4104,32 @@
                     </p:cTn>
                   </p:par>
                   <p:par>
-                    <p:cTn id="43" fill="hold">
+                    <p:cTn id="44" fill="hold">
                       <p:stCondLst>
                         <p:cond delay="indefinite"/>
                       </p:stCondLst>
                       <p:childTnLst>
                         <p:par>
-                          <p:cTn id="44" fill="hold">
+                          <p:cTn id="45" fill="hold">
                             <p:stCondLst>
                               <p:cond delay="0"/>
                             </p:stCondLst>
                             <p:childTnLst>
                               <p:par>
-                                <p:cTn id="45" presetID="10" presetClass="entr" presetSubtype="0" fill="hold" grpId="0" nodeType="clickEffect">
+                                <p:cTn id="46" presetID="10" presetClass="entr" presetSubtype="0" fill="hold" grpId="0" nodeType="clickEffect">
                                   <p:stCondLst>
                                     <p:cond delay="0"/>
                                   </p:stCondLst>
                                   <p:childTnLst>
                                     <p:set>
                                       <p:cBhvr>
-                                        <p:cTn id="46" dur="1" fill="hold">
+                                        <p:cTn id="47" dur="1" fill="hold">
                                           <p:stCondLst>
                                             <p:cond delay="0"/>
                                           </p:stCondLst>
                                         </p:cTn>
                                         <p:tgtEl>
-                                          <p:spTgt spid="25"/>
+                                          <p:spTgt spid="24"/>
                                         </p:tgtEl>
                                         <p:attrNameLst>
                                           <p:attrName>style.visibility</p:attrName>
@@ -4124,9 +4141,9 @@
                                     </p:set>
                                     <p:animEffect transition="in" filter="fade">
                                       <p:cBhvr>
-                                        <p:cTn id="47" dur="500"/>
-                                        <p:tgtEl>
-                                          <p:spTgt spid="25"/>
+                                        <p:cTn id="48" dur="500"/>
+                                        <p:tgtEl>
+                                          <p:spTgt spid="24"/>
                                         </p:tgtEl>
                                       </p:cBhvr>
                                     </p:animEffect>
@@ -4140,32 +4157,32 @@
                     </p:cTn>
                   </p:par>
                   <p:par>
-                    <p:cTn id="48" fill="hold">
+                    <p:cTn id="49" fill="hold">
                       <p:stCondLst>
                         <p:cond delay="indefinite"/>
                       </p:stCondLst>
                       <p:childTnLst>
                         <p:par>
-                          <p:cTn id="49" fill="hold">
+                          <p:cTn id="50" fill="hold">
                             <p:stCondLst>
                               <p:cond delay="0"/>
                             </p:stCondLst>
                             <p:childTnLst>
                               <p:par>
-                                <p:cTn id="50" presetID="10" presetClass="entr" presetSubtype="0" fill="hold" grpId="0" nodeType="clickEffect">
+                                <p:cTn id="51" presetID="10" presetClass="entr" presetSubtype="0" fill="hold" grpId="0" nodeType="clickEffect">
                                   <p:stCondLst>
                                     <p:cond delay="0"/>
                                   </p:stCondLst>
                                   <p:childTnLst>
                                     <p:set>
                                       <p:cBhvr>
-                                        <p:cTn id="51" dur="1" fill="hold">
+                                        <p:cTn id="52" dur="1" fill="hold">
                                           <p:stCondLst>
                                             <p:cond delay="0"/>
                                           </p:stCondLst>
                                         </p:cTn>
                                         <p:tgtEl>
-                                          <p:spTgt spid="19"/>
+                                          <p:spTgt spid="25"/>
                                         </p:tgtEl>
                                         <p:attrNameLst>
                                           <p:attrName>style.visibility</p:attrName>
@@ -4177,9 +4194,9 @@
                                     </p:set>
                                     <p:animEffect transition="in" filter="fade">
                                       <p:cBhvr>
-                                        <p:cTn id="52" dur="500"/>
-                                        <p:tgtEl>
-                                          <p:spTgt spid="19"/>
+                                        <p:cTn id="53" dur="500"/>
+                                        <p:tgtEl>
+                                          <p:spTgt spid="25"/>
                                         </p:tgtEl>
                                       </p:cBhvr>
                                     </p:animEffect>
@@ -4193,32 +4210,32 @@
                     </p:cTn>
                   </p:par>
                   <p:par>
-                    <p:cTn id="53" fill="hold">
+                    <p:cTn id="54" fill="hold">
                       <p:stCondLst>
                         <p:cond delay="indefinite"/>
                       </p:stCondLst>
                       <p:childTnLst>
                         <p:par>
-                          <p:cTn id="54" fill="hold">
+                          <p:cTn id="55" fill="hold">
                             <p:stCondLst>
                               <p:cond delay="0"/>
                             </p:stCondLst>
                             <p:childTnLst>
                               <p:par>
-                                <p:cTn id="55" presetID="10" presetClass="entr" presetSubtype="0" fill="hold" grpId="0" nodeType="clickEffect">
+                                <p:cTn id="56" presetID="10" presetClass="entr" presetSubtype="0" fill="hold" grpId="0" nodeType="clickEffect">
                                   <p:stCondLst>
                                     <p:cond delay="0"/>
                                   </p:stCondLst>
                                   <p:childTnLst>
                                     <p:set>
                                       <p:cBhvr>
-                                        <p:cTn id="56" dur="1" fill="hold">
+                                        <p:cTn id="57" dur="1" fill="hold">
                                           <p:stCondLst>
                                             <p:cond delay="0"/>
                                           </p:stCondLst>
                                         </p:cTn>
                                         <p:tgtEl>
-                                          <p:spTgt spid="20"/>
+                                          <p:spTgt spid="19"/>
                                         </p:tgtEl>
                                         <p:attrNameLst>
                                           <p:attrName>style.visibility</p:attrName>
@@ -4230,9 +4247,9 @@
                                     </p:set>
                                     <p:animEffect transition="in" filter="fade">
                                       <p:cBhvr>
-                                        <p:cTn id="57" dur="500"/>
-                                        <p:tgtEl>
-                                          <p:spTgt spid="20"/>
+                                        <p:cTn id="58" dur="500"/>
+                                        <p:tgtEl>
+                                          <p:spTgt spid="19"/>
                                         </p:tgtEl>
                                       </p:cBhvr>
                                     </p:animEffect>
@@ -4246,32 +4263,32 @@
                     </p:cTn>
                   </p:par>
                   <p:par>
-                    <p:cTn id="58" fill="hold">
+                    <p:cTn id="59" fill="hold">
                       <p:stCondLst>
                         <p:cond delay="indefinite"/>
                       </p:stCondLst>
                       <p:childTnLst>
                         <p:par>
-                          <p:cTn id="59" fill="hold">
+                          <p:cTn id="60" fill="hold">
                             <p:stCondLst>
                               <p:cond delay="0"/>
                             </p:stCondLst>
                             <p:childTnLst>
                               <p:par>
-                                <p:cTn id="60" presetID="10" presetClass="entr" presetSubtype="0" fill="hold" nodeType="clickEffect">
+                                <p:cTn id="61" presetID="10" presetClass="entr" presetSubtype="0" fill="hold" grpId="0" nodeType="clickEffect">
                                   <p:stCondLst>
                                     <p:cond delay="0"/>
                                   </p:stCondLst>
                                   <p:childTnLst>
                                     <p:set>
                                       <p:cBhvr>
-                                        <p:cTn id="61" dur="1" fill="hold">
+                                        <p:cTn id="62" dur="1" fill="hold">
                                           <p:stCondLst>
                                             <p:cond delay="0"/>
                                           </p:stCondLst>
                                         </p:cTn>
                                         <p:tgtEl>
-                                          <p:spTgt spid="18"/>
+                                          <p:spTgt spid="20"/>
                                         </p:tgtEl>
                                         <p:attrNameLst>
                                           <p:attrName>style.visibility</p:attrName>
@@ -4283,9 +4300,9 @@
                                     </p:set>
                                     <p:animEffect transition="in" filter="fade">
                                       <p:cBhvr>
-                                        <p:cTn id="62" dur="500"/>
-                                        <p:tgtEl>
-                                          <p:spTgt spid="18"/>
+                                        <p:cTn id="63" dur="500"/>
+                                        <p:tgtEl>
+                                          <p:spTgt spid="20"/>
                                         </p:tgtEl>
                                       </p:cBhvr>
                                     </p:animEffect>
@@ -4299,32 +4316,32 @@
                     </p:cTn>
                   </p:par>
                   <p:par>
-                    <p:cTn id="63" fill="hold">
+                    <p:cTn id="64" fill="hold">
                       <p:stCondLst>
                         <p:cond delay="indefinite"/>
                       </p:stCondLst>
                       <p:childTnLst>
                         <p:par>
-                          <p:cTn id="64" fill="hold">
+                          <p:cTn id="65" fill="hold">
                             <p:stCondLst>
                               <p:cond delay="0"/>
                             </p:stCondLst>
                             <p:childTnLst>
                               <p:par>
-                                <p:cTn id="65" presetID="10" presetClass="entr" presetSubtype="0" fill="hold" grpId="0" nodeType="clickEffect">
+                                <p:cTn id="66" presetID="10" presetClass="entr" presetSubtype="0" fill="hold" nodeType="clickEffect">
                                   <p:stCondLst>
                                     <p:cond delay="0"/>
                                   </p:stCondLst>
                                   <p:childTnLst>
                                     <p:set>
                                       <p:cBhvr>
-                                        <p:cTn id="66" dur="1" fill="hold">
+                                        <p:cTn id="67" dur="1" fill="hold">
                                           <p:stCondLst>
                                             <p:cond delay="0"/>
                                           </p:stCondLst>
                                         </p:cTn>
                                         <p:tgtEl>
-                                          <p:spTgt spid="21"/>
+                                          <p:spTgt spid="18"/>
                                         </p:tgtEl>
                                         <p:attrNameLst>
                                           <p:attrName>style.visibility</p:attrName>
@@ -4336,9 +4353,9 @@
                                     </p:set>
                                     <p:animEffect transition="in" filter="fade">
                                       <p:cBhvr>
-                                        <p:cTn id="67" dur="500"/>
-                                        <p:tgtEl>
-                                          <p:spTgt spid="21"/>
+                                        <p:cTn id="68" dur="500"/>
+                                        <p:tgtEl>
+                                          <p:spTgt spid="18"/>
                                         </p:tgtEl>
                                       </p:cBhvr>
                                     </p:animEffect>
@@ -4352,32 +4369,32 @@
                     </p:cTn>
                   </p:par>
                   <p:par>
-                    <p:cTn id="68" fill="hold">
+                    <p:cTn id="69" fill="hold">
                       <p:stCondLst>
                         <p:cond delay="indefinite"/>
                       </p:stCondLst>
                       <p:childTnLst>
                         <p:par>
-                          <p:cTn id="69" fill="hold">
+                          <p:cTn id="70" fill="hold">
                             <p:stCondLst>
                               <p:cond delay="0"/>
                             </p:stCondLst>
                             <p:childTnLst>
                               <p:par>
-                                <p:cTn id="70" presetID="10" presetClass="entr" presetSubtype="0" fill="hold" grpId="0" nodeType="clickEffect">
+                                <p:cTn id="71" presetID="10" presetClass="entr" presetSubtype="0" fill="hold" grpId="0" nodeType="clickEffect">
                                   <p:stCondLst>
                                     <p:cond delay="0"/>
                                   </p:stCondLst>
                                   <p:childTnLst>
                                     <p:set>
                                       <p:cBhvr>
-                                        <p:cTn id="71" dur="1" fill="hold">
+                                        <p:cTn id="72" dur="1" fill="hold">
                                           <p:stCondLst>
                                             <p:cond delay="0"/>
                                           </p:stCondLst>
                                         </p:cTn>
                                         <p:tgtEl>
-                                          <p:spTgt spid="22"/>
+                                          <p:spTgt spid="21"/>
                                         </p:tgtEl>
                                         <p:attrNameLst>
                                           <p:attrName>style.visibility</p:attrName>
@@ -4389,9 +4406,9 @@
                                     </p:set>
                                     <p:animEffect transition="in" filter="fade">
                                       <p:cBhvr>
-                                        <p:cTn id="72" dur="500"/>
-                                        <p:tgtEl>
-                                          <p:spTgt spid="22"/>
+                                        <p:cTn id="73" dur="500"/>
+                                        <p:tgtEl>
+                                          <p:spTgt spid="21"/>
                                         </p:tgtEl>
                                       </p:cBhvr>
                                     </p:animEffect>
@@ -4405,32 +4422,32 @@
                     </p:cTn>
                   </p:par>
                   <p:par>
-                    <p:cTn id="73" fill="hold">
+                    <p:cTn id="74" fill="hold">
                       <p:stCondLst>
                         <p:cond delay="indefinite"/>
                       </p:stCondLst>
                       <p:childTnLst>
                         <p:par>
-                          <p:cTn id="74" fill="hold">
+                          <p:cTn id="75" fill="hold">
                             <p:stCondLst>
                               <p:cond delay="0"/>
                             </p:stCondLst>
                             <p:childTnLst>
                               <p:par>
-                                <p:cTn id="75" presetID="10" presetClass="entr" presetSubtype="0" fill="hold" nodeType="clickEffect">
+                                <p:cTn id="76" presetID="10" presetClass="entr" presetSubtype="0" fill="hold" grpId="0" nodeType="clickEffect">
                                   <p:stCondLst>
                                     <p:cond delay="0"/>
                                   </p:stCondLst>
                                   <p:childTnLst>
                                     <p:set>
                                       <p:cBhvr>
-                                        <p:cTn id="76" dur="1" fill="hold">
+                                        <p:cTn id="77" dur="1" fill="hold">
                                           <p:stCondLst>
                                             <p:cond delay="0"/>
                                           </p:stCondLst>
                                         </p:cTn>
                                         <p:tgtEl>
-                                          <p:spTgt spid="23"/>
+                                          <p:spTgt spid="22"/>
                                         </p:tgtEl>
                                         <p:attrNameLst>
                                           <p:attrName>style.visibility</p:attrName>
@@ -4442,7 +4459,60 @@
                                     </p:set>
                                     <p:animEffect transition="in" filter="fade">
                                       <p:cBhvr>
-                                        <p:cTn id="77" dur="500"/>
+                                        <p:cTn id="78" dur="500"/>
+                                        <p:tgtEl>
+                                          <p:spTgt spid="22"/>
+                                        </p:tgtEl>
+                                      </p:cBhvr>
+                                    </p:animEffect>
+                                  </p:childTnLst>
+                                </p:cTn>
+                              </p:par>
+                            </p:childTnLst>
+                          </p:cTn>
+                        </p:par>
+                      </p:childTnLst>
+                    </p:cTn>
+                  </p:par>
+                  <p:par>
+                    <p:cTn id="79" fill="hold">
+                      <p:stCondLst>
+                        <p:cond delay="indefinite"/>
+                      </p:stCondLst>
+                      <p:childTnLst>
+                        <p:par>
+                          <p:cTn id="80" fill="hold">
+                            <p:stCondLst>
+                              <p:cond delay="0"/>
+                            </p:stCondLst>
+                            <p:childTnLst>
+                              <p:par>
+                                <p:cTn id="81" presetID="10" presetClass="entr" presetSubtype="0" fill="hold" nodeType="clickEffect">
+                                  <p:stCondLst>
+                                    <p:cond delay="0"/>
+                                  </p:stCondLst>
+                                  <p:childTnLst>
+                                    <p:set>
+                                      <p:cBhvr>
+                                        <p:cTn id="82" dur="1" fill="hold">
+                                          <p:stCondLst>
+                                            <p:cond delay="0"/>
+                                          </p:stCondLst>
+                                        </p:cTn>
+                                        <p:tgtEl>
+                                          <p:spTgt spid="23"/>
+                                        </p:tgtEl>
+                                        <p:attrNameLst>
+                                          <p:attrName>style.visibility</p:attrName>
+                                        </p:attrNameLst>
+                                      </p:cBhvr>
+                                      <p:to>
+                                        <p:strVal val="visible"/>
+                                      </p:to>
+                                    </p:set>
+                                    <p:animEffect transition="in" filter="fade">
+                                      <p:cBhvr>
+                                        <p:cTn id="83" dur="500"/>
                                         <p:tgtEl>
                                           <p:spTgt spid="23"/>
                                         </p:tgtEl>
@@ -4483,6 +4553,8 @@
       <p:bldP spid="10" grpId="0"/>
       <p:bldP spid="13" grpId="0" animBg="1"/>
       <p:bldP spid="15" grpId="0"/>
+      <p:bldP spid="16" grpId="0"/>
+      <p:bldP spid="17" grpId="0"/>
       <p:bldP spid="19" grpId="0"/>
       <p:bldP spid="20" grpId="0" animBg="1"/>
       <p:bldP spid="21" grpId="0"/>
